--- a/Chapter2/Figures/Fig22.pptx
+++ b/Chapter2/Figures/Fig22.pptx
@@ -7,7 +7,7 @@
   <p:sldIdLst>
     <p:sldId id="256" r:id="rId2"/>
   </p:sldIdLst>
-  <p:sldSz cx="5040313" cy="2700338"/>
+  <p:sldSz cx="5040313" cy="4679950"/>
   <p:notesSz cx="6858000" cy="9144000"/>
   <p:defaultTextStyle>
     <a:defPPr>
@@ -136,8 +136,8 @@
         </p:nvSpPr>
         <p:spPr>
           <a:xfrm>
-            <a:off x="378023" y="838856"/>
-            <a:ext cx="4284267" cy="578822"/>
+            <a:off x="378023" y="1453820"/>
+            <a:ext cx="4284267" cy="1003155"/>
           </a:xfrm>
         </p:spPr>
         <p:txBody>
@@ -164,8 +164,8 @@
         </p:nvSpPr>
         <p:spPr>
           <a:xfrm>
-            <a:off x="756048" y="1530192"/>
-            <a:ext cx="3528219" cy="690087"/>
+            <a:off x="756052" y="2651973"/>
+            <a:ext cx="3528219" cy="1195989"/>
           </a:xfrm>
         </p:spPr>
         <p:txBody>
@@ -288,7 +288,7 @@
           <a:p>
             <a:fld id="{24F5451C-9AB3-4930-81E8-DDEA64DBA608}" type="datetimeFigureOut">
               <a:rPr lang="en-GB" smtClean="0"/>
-              <a:t>25/06/2014</a:t>
+              <a:t>11/07/2014</a:t>
             </a:fld>
             <a:endParaRPr lang="en-GB"/>
           </a:p>
@@ -458,7 +458,7 @@
           <a:p>
             <a:fld id="{24F5451C-9AB3-4930-81E8-DDEA64DBA608}" type="datetimeFigureOut">
               <a:rPr lang="en-GB" smtClean="0"/>
-              <a:t>25/06/2014</a:t>
+              <a:t>11/07/2014</a:t>
             </a:fld>
             <a:endParaRPr lang="en-GB"/>
           </a:p>
@@ -548,8 +548,8 @@
         </p:nvSpPr>
         <p:spPr>
           <a:xfrm>
-            <a:off x="1870867" y="40006"/>
-            <a:ext cx="580161" cy="846981"/>
+            <a:off x="1870871" y="69335"/>
+            <a:ext cx="580161" cy="1467901"/>
           </a:xfrm>
         </p:spPr>
         <p:txBody>
@@ -576,8 +576,8 @@
         </p:nvSpPr>
         <p:spPr>
           <a:xfrm>
-            <a:off x="128633" y="40006"/>
-            <a:ext cx="1658228" cy="846981"/>
+            <a:off x="128633" y="69335"/>
+            <a:ext cx="1658228" cy="1467901"/>
           </a:xfrm>
         </p:spPr>
         <p:txBody>
@@ -638,7 +638,7 @@
           <a:p>
             <a:fld id="{24F5451C-9AB3-4930-81E8-DDEA64DBA608}" type="datetimeFigureOut">
               <a:rPr lang="en-GB" smtClean="0"/>
-              <a:t>25/06/2014</a:t>
+              <a:t>11/07/2014</a:t>
             </a:fld>
             <a:endParaRPr lang="en-GB"/>
           </a:p>
@@ -808,7 +808,7 @@
           <a:p>
             <a:fld id="{24F5451C-9AB3-4930-81E8-DDEA64DBA608}" type="datetimeFigureOut">
               <a:rPr lang="en-GB" smtClean="0"/>
-              <a:t>25/06/2014</a:t>
+              <a:t>11/07/2014</a:t>
             </a:fld>
             <a:endParaRPr lang="en-GB"/>
           </a:p>
@@ -898,8 +898,8 @@
         </p:nvSpPr>
         <p:spPr>
           <a:xfrm>
-            <a:off x="398150" y="1735218"/>
-            <a:ext cx="4284267" cy="536317"/>
+            <a:off x="398154" y="3007304"/>
+            <a:ext cx="4284267" cy="929490"/>
           </a:xfrm>
         </p:spPr>
         <p:txBody>
@@ -930,8 +930,8 @@
         </p:nvSpPr>
         <p:spPr>
           <a:xfrm>
-            <a:off x="398150" y="1144518"/>
-            <a:ext cx="4284267" cy="590699"/>
+            <a:off x="398154" y="1983563"/>
+            <a:ext cx="4284267" cy="1023739"/>
           </a:xfrm>
         </p:spPr>
         <p:txBody>
@@ -1054,7 +1054,7 @@
           <a:p>
             <a:fld id="{24F5451C-9AB3-4930-81E8-DDEA64DBA608}" type="datetimeFigureOut">
               <a:rPr lang="en-GB" smtClean="0"/>
-              <a:t>25/06/2014</a:t>
+              <a:t>11/07/2014</a:t>
             </a:fld>
             <a:endParaRPr lang="en-GB"/>
           </a:p>
@@ -1167,8 +1167,8 @@
         </p:nvSpPr>
         <p:spPr>
           <a:xfrm>
-            <a:off x="128634" y="231904"/>
-            <a:ext cx="1119194" cy="655082"/>
+            <a:off x="128634" y="401913"/>
+            <a:ext cx="1119194" cy="1135321"/>
           </a:xfrm>
         </p:spPr>
         <p:txBody>
@@ -1252,8 +1252,8 @@
         </p:nvSpPr>
         <p:spPr>
           <a:xfrm>
-            <a:off x="1331834" y="231904"/>
-            <a:ext cx="1119195" cy="655082"/>
+            <a:off x="1331835" y="401913"/>
+            <a:ext cx="1119195" cy="1135321"/>
           </a:xfrm>
         </p:spPr>
         <p:txBody>
@@ -1342,7 +1342,7 @@
           <a:p>
             <a:fld id="{24F5451C-9AB3-4930-81E8-DDEA64DBA608}" type="datetimeFigureOut">
               <a:rPr lang="en-GB" smtClean="0"/>
-              <a:t>25/06/2014</a:t>
+              <a:t>11/07/2014</a:t>
             </a:fld>
             <a:endParaRPr lang="en-GB"/>
           </a:p>
@@ -1432,8 +1432,8 @@
         </p:nvSpPr>
         <p:spPr>
           <a:xfrm>
-            <a:off x="252017" y="108139"/>
-            <a:ext cx="4536282" cy="450056"/>
+            <a:off x="252017" y="187416"/>
+            <a:ext cx="4536282" cy="779991"/>
           </a:xfrm>
         </p:spPr>
         <p:txBody>
@@ -1464,8 +1464,8 @@
         </p:nvSpPr>
         <p:spPr>
           <a:xfrm>
-            <a:off x="252016" y="604450"/>
-            <a:ext cx="2227014" cy="251907"/>
+            <a:off x="252016" y="1047572"/>
+            <a:ext cx="2227014" cy="436580"/>
           </a:xfrm>
         </p:spPr>
         <p:txBody>
@@ -1529,8 +1529,8 @@
         </p:nvSpPr>
         <p:spPr>
           <a:xfrm>
-            <a:off x="252016" y="856357"/>
-            <a:ext cx="2227014" cy="1555820"/>
+            <a:off x="252016" y="1484151"/>
+            <a:ext cx="2227014" cy="2696389"/>
           </a:xfrm>
         </p:spPr>
         <p:txBody>
@@ -1614,8 +1614,8 @@
         </p:nvSpPr>
         <p:spPr>
           <a:xfrm>
-            <a:off x="2560410" y="604450"/>
-            <a:ext cx="2227888" cy="251907"/>
+            <a:off x="2560410" y="1047572"/>
+            <a:ext cx="2227888" cy="436580"/>
           </a:xfrm>
         </p:spPr>
         <p:txBody>
@@ -1679,8 +1679,8 @@
         </p:nvSpPr>
         <p:spPr>
           <a:xfrm>
-            <a:off x="2560410" y="856357"/>
-            <a:ext cx="2227888" cy="1555820"/>
+            <a:off x="2560410" y="1484151"/>
+            <a:ext cx="2227888" cy="2696389"/>
           </a:xfrm>
         </p:spPr>
         <p:txBody>
@@ -1769,7 +1769,7 @@
           <a:p>
             <a:fld id="{24F5451C-9AB3-4930-81E8-DDEA64DBA608}" type="datetimeFigureOut">
               <a:rPr lang="en-GB" smtClean="0"/>
-              <a:t>25/06/2014</a:t>
+              <a:t>11/07/2014</a:t>
             </a:fld>
             <a:endParaRPr lang="en-GB"/>
           </a:p>
@@ -1887,7 +1887,7 @@
           <a:p>
             <a:fld id="{24F5451C-9AB3-4930-81E8-DDEA64DBA608}" type="datetimeFigureOut">
               <a:rPr lang="en-GB" smtClean="0"/>
-              <a:t>25/06/2014</a:t>
+              <a:t>11/07/2014</a:t>
             </a:fld>
             <a:endParaRPr lang="en-GB"/>
           </a:p>
@@ -1982,7 +1982,7 @@
           <a:p>
             <a:fld id="{24F5451C-9AB3-4930-81E8-DDEA64DBA608}" type="datetimeFigureOut">
               <a:rPr lang="en-GB" smtClean="0"/>
-              <a:t>25/06/2014</a:t>
+              <a:t>11/07/2014</a:t>
             </a:fld>
             <a:endParaRPr lang="en-GB"/>
           </a:p>
@@ -2072,8 +2072,8 @@
         </p:nvSpPr>
         <p:spPr>
           <a:xfrm>
-            <a:off x="252017" y="107514"/>
-            <a:ext cx="1658228" cy="457557"/>
+            <a:off x="252017" y="186333"/>
+            <a:ext cx="1658228" cy="792991"/>
           </a:xfrm>
         </p:spPr>
         <p:txBody>
@@ -2104,8 +2104,8 @@
         </p:nvSpPr>
         <p:spPr>
           <a:xfrm>
-            <a:off x="1970622" y="107514"/>
-            <a:ext cx="2817675" cy="2304664"/>
+            <a:off x="1970626" y="186333"/>
+            <a:ext cx="2817675" cy="3994208"/>
           </a:xfrm>
         </p:spPr>
         <p:txBody>
@@ -2189,8 +2189,8 @@
         </p:nvSpPr>
         <p:spPr>
           <a:xfrm>
-            <a:off x="252017" y="565071"/>
-            <a:ext cx="1658228" cy="1847106"/>
+            <a:off x="252017" y="979325"/>
+            <a:ext cx="1658228" cy="3201215"/>
           </a:xfrm>
         </p:spPr>
         <p:txBody>
@@ -2259,7 +2259,7 @@
           <a:p>
             <a:fld id="{24F5451C-9AB3-4930-81E8-DDEA64DBA608}" type="datetimeFigureOut">
               <a:rPr lang="en-GB" smtClean="0"/>
-              <a:t>25/06/2014</a:t>
+              <a:t>11/07/2014</a:t>
             </a:fld>
             <a:endParaRPr lang="en-GB"/>
           </a:p>
@@ -2349,8 +2349,8 @@
         </p:nvSpPr>
         <p:spPr>
           <a:xfrm>
-            <a:off x="987937" y="1890237"/>
-            <a:ext cx="3024188" cy="223153"/>
+            <a:off x="987937" y="3275967"/>
+            <a:ext cx="3024188" cy="386746"/>
           </a:xfrm>
         </p:spPr>
         <p:txBody>
@@ -2381,8 +2381,8 @@
         </p:nvSpPr>
         <p:spPr>
           <a:xfrm>
-            <a:off x="987937" y="241281"/>
-            <a:ext cx="3024188" cy="1620203"/>
+            <a:off x="987937" y="418164"/>
+            <a:ext cx="3024188" cy="2807971"/>
           </a:xfrm>
         </p:spPr>
         <p:txBody>
@@ -2442,8 +2442,8 @@
         </p:nvSpPr>
         <p:spPr>
           <a:xfrm>
-            <a:off x="987937" y="2113391"/>
-            <a:ext cx="3024188" cy="316914"/>
+            <a:off x="987937" y="3662713"/>
+            <a:ext cx="3024188" cy="549243"/>
           </a:xfrm>
         </p:spPr>
         <p:txBody>
@@ -2512,7 +2512,7 @@
           <a:p>
             <a:fld id="{24F5451C-9AB3-4930-81E8-DDEA64DBA608}" type="datetimeFigureOut">
               <a:rPr lang="en-GB" smtClean="0"/>
-              <a:t>25/06/2014</a:t>
+              <a:t>11/07/2014</a:t>
             </a:fld>
             <a:endParaRPr lang="en-GB"/>
           </a:p>
@@ -2607,8 +2607,8 @@
         </p:nvSpPr>
         <p:spPr>
           <a:xfrm>
-            <a:off x="252017" y="108139"/>
-            <a:ext cx="4536282" cy="450056"/>
+            <a:off x="252017" y="187416"/>
+            <a:ext cx="4536282" cy="779991"/>
           </a:xfrm>
           <a:prstGeom prst="rect">
             <a:avLst/>
@@ -2640,8 +2640,8 @@
         </p:nvSpPr>
         <p:spPr>
           <a:xfrm>
-            <a:off x="252017" y="630079"/>
-            <a:ext cx="4536282" cy="1782098"/>
+            <a:off x="252017" y="1091989"/>
+            <a:ext cx="4536282" cy="3088550"/>
           </a:xfrm>
           <a:prstGeom prst="rect">
             <a:avLst/>
@@ -2702,8 +2702,8 @@
         </p:nvSpPr>
         <p:spPr>
           <a:xfrm>
-            <a:off x="252016" y="2502813"/>
-            <a:ext cx="1176073" cy="143768"/>
+            <a:off x="252020" y="4337621"/>
+            <a:ext cx="1176073" cy="249164"/>
           </a:xfrm>
           <a:prstGeom prst="rect">
             <a:avLst/>
@@ -2725,7 +2725,7 @@
           <a:p>
             <a:fld id="{24F5451C-9AB3-4930-81E8-DDEA64DBA608}" type="datetimeFigureOut">
               <a:rPr lang="en-GB" smtClean="0"/>
-              <a:t>25/06/2014</a:t>
+              <a:t>11/07/2014</a:t>
             </a:fld>
             <a:endParaRPr lang="en-GB"/>
           </a:p>
@@ -2743,8 +2743,8 @@
         </p:nvSpPr>
         <p:spPr>
           <a:xfrm>
-            <a:off x="1722107" y="2502813"/>
-            <a:ext cx="1596099" cy="143768"/>
+            <a:off x="1722107" y="4337621"/>
+            <a:ext cx="1596099" cy="249164"/>
           </a:xfrm>
           <a:prstGeom prst="rect">
             <a:avLst/>
@@ -2780,8 +2780,8 @@
         </p:nvSpPr>
         <p:spPr>
           <a:xfrm>
-            <a:off x="3612224" y="2502813"/>
-            <a:ext cx="1176073" cy="143768"/>
+            <a:off x="3612228" y="4337621"/>
+            <a:ext cx="1176073" cy="249164"/>
           </a:xfrm>
           <a:prstGeom prst="rect">
             <a:avLst/>
@@ -3102,7 +3102,7 @@
       </p:grpSpPr>
       <p:pic>
         <p:nvPicPr>
-          <p:cNvPr id="16" name="Picture 2" descr="C:\Users\Wendy\Documents\wwn20\Lit review\Figures\era1994-1.jpg"/>
+          <p:cNvPr id="38" name="Picture 2" descr="C:\Users\Wendy\Documents\wwn20\Lit review\Figures\era1994-1.jpg"/>
           <p:cNvPicPr>
             <a:picLocks noChangeAspect="1" noChangeArrowheads="1"/>
           </p:cNvPicPr>
@@ -3123,8 +3123,8 @@
         </p:blipFill>
         <p:spPr bwMode="auto">
           <a:xfrm>
-            <a:off x="124585" y="0"/>
-            <a:ext cx="2609850" cy="2600325"/>
+            <a:off x="124584" y="0"/>
+            <a:ext cx="2670467" cy="2660721"/>
           </a:xfrm>
           <a:prstGeom prst="rect">
             <a:avLst/>
@@ -3143,7 +3143,7 @@
       </p:pic>
       <p:pic>
         <p:nvPicPr>
-          <p:cNvPr id="17" name="Picture 3" descr="C:\Users\Wendy\Documents\wwn20\Lit review\Figures\era1994-2.jpg"/>
+          <p:cNvPr id="39" name="Picture 3" descr="C:\Users\Wendy\Documents\wwn20\Lit review\Figures\era1994-2.jpg"/>
           <p:cNvPicPr>
             <a:picLocks noChangeAspect="1" noChangeArrowheads="1"/>
           </p:cNvPicPr>
@@ -3182,7 +3182,7 @@
       </p:pic>
       <p:sp>
         <p:nvSpPr>
-          <p:cNvPr id="18" name="TextBox 17"/>
+          <p:cNvPr id="40" name="TextBox 39"/>
           <p:cNvSpPr txBox="1"/>
           <p:nvPr/>
         </p:nvSpPr>
@@ -3212,7 +3212,7 @@
       </p:sp>
       <p:sp>
         <p:nvSpPr>
-          <p:cNvPr id="19" name="TextBox 18"/>
+          <p:cNvPr id="41" name="TextBox 40"/>
           <p:cNvSpPr txBox="1"/>
           <p:nvPr/>
         </p:nvSpPr>
@@ -3242,7 +3242,7 @@
       </p:sp>
       <p:sp>
         <p:nvSpPr>
-          <p:cNvPr id="20" name="Rectangle 19"/>
+          <p:cNvPr id="42" name="Rectangle 41"/>
           <p:cNvSpPr/>
           <p:nvPr/>
         </p:nvSpPr>
@@ -3288,13 +3288,13 @@
       </p:sp>
       <p:sp>
         <p:nvSpPr>
-          <p:cNvPr id="21" name="Rectangle 20"/>
+          <p:cNvPr id="43" name="Rectangle 42"/>
           <p:cNvSpPr/>
           <p:nvPr/>
         </p:nvSpPr>
         <p:spPr>
           <a:xfrm>
-            <a:off x="1078621" y="2287332"/>
+            <a:off x="1104499" y="2341810"/>
             <a:ext cx="288032" cy="252611"/>
           </a:xfrm>
           <a:prstGeom prst="rect">
@@ -3332,6 +3332,77 @@
           </a:p>
         </p:txBody>
       </p:sp>
+      <p:pic>
+        <p:nvPicPr>
+          <p:cNvPr id="44" name="Picture 2" descr="C:\Users\Wendy\Documents\wwn20\Lit review\Figures\matsushima2005-1.jpg"/>
+          <p:cNvPicPr>
+            <a:picLocks noChangeAspect="1" noChangeArrowheads="1"/>
+          </p:cNvPicPr>
+          <p:nvPr/>
+        </p:nvPicPr>
+        <p:blipFill>
+          <a:blip r:embed="rId4">
+            <a:extLst>
+              <a:ext uri="{28A0092B-C50C-407E-A947-70E740481C1C}">
+                <a14:useLocalDpi xmlns:a14="http://schemas.microsoft.com/office/drawing/2010/main" val="0"/>
+              </a:ext>
+            </a:extLst>
+          </a:blip>
+          <a:srcRect/>
+          <a:stretch>
+            <a:fillRect/>
+          </a:stretch>
+        </p:blipFill>
+        <p:spPr bwMode="auto">
+          <a:xfrm>
+            <a:off x="-164465" y="2817862"/>
+            <a:ext cx="5245100" cy="1790700"/>
+          </a:xfrm>
+          <a:prstGeom prst="rect">
+            <a:avLst/>
+          </a:prstGeom>
+          <a:noFill/>
+          <a:extLst>
+            <a:ext uri="{909E8E84-426E-40DD-AFC4-6F175D3DCCD1}">
+              <a14:hiddenFill xmlns:a14="http://schemas.microsoft.com/office/drawing/2010/main">
+                <a:solidFill>
+                  <a:srgbClr val="FFFFFF"/>
+                </a:solidFill>
+              </a14:hiddenFill>
+            </a:ext>
+          </a:extLst>
+        </p:spPr>
+      </p:pic>
+      <p:sp>
+        <p:nvSpPr>
+          <p:cNvPr id="45" name="TextBox 44"/>
+          <p:cNvSpPr txBox="1"/>
+          <p:nvPr/>
+        </p:nvSpPr>
+        <p:spPr>
+          <a:xfrm>
+            <a:off x="344975" y="2609189"/>
+            <a:ext cx="576064" cy="430887"/>
+          </a:xfrm>
+          <a:prstGeom prst="rect">
+            <a:avLst/>
+          </a:prstGeom>
+          <a:noFill/>
+        </p:spPr>
+        <p:txBody>
+          <a:bodyPr wrap="square" rtlCol="0">
+            <a:spAutoFit/>
+          </a:bodyPr>
+          <a:lstStyle/>
+          <a:p>
+            <a:r>
+              <a:rPr lang="en-GB" sz="2200" dirty="0" smtClean="0"/>
+              <a:t>(c)</a:t>
+            </a:r>
+            <a:endParaRPr lang="en-GB" sz="2200" dirty="0"/>
+          </a:p>
+        </p:txBody>
+      </p:sp>
     </p:spTree>
     <p:extLst>
       <p:ext uri="{BB962C8B-B14F-4D97-AF65-F5344CB8AC3E}">
@@ -3342,6 +3413,13 @@
   <p:clrMapOvr>
     <a:masterClrMapping/>
   </p:clrMapOvr>
+  <p:timing>
+    <p:tnLst>
+      <p:par>
+        <p:cTn id="1" dur="indefinite" restart="never" nodeType="tmRoot"/>
+      </p:par>
+    </p:tnLst>
+  </p:timing>
 </p:sld>
 </file>
 

--- a/Chapter2/Figures/Fig22.pptx
+++ b/Chapter2/Figures/Fig22.pptx
@@ -7,7 +7,7 @@
   <p:sldIdLst>
     <p:sldId id="256" r:id="rId2"/>
   </p:sldIdLst>
-  <p:sldSz cx="5040313" cy="4679950"/>
+  <p:sldSz cx="5040313" cy="4321175"/>
   <p:notesSz cx="6858000" cy="9144000"/>
   <p:defaultTextStyle>
     <a:defPPr>
@@ -136,8 +136,8 @@
         </p:nvSpPr>
         <p:spPr>
           <a:xfrm>
-            <a:off x="378023" y="1453820"/>
-            <a:ext cx="4284267" cy="1003155"/>
+            <a:off x="378023" y="1342368"/>
+            <a:ext cx="4284267" cy="926251"/>
           </a:xfrm>
         </p:spPr>
         <p:txBody>
@@ -164,8 +164,8 @@
         </p:nvSpPr>
         <p:spPr>
           <a:xfrm>
-            <a:off x="756052" y="2651973"/>
-            <a:ext cx="3528219" cy="1195989"/>
+            <a:off x="756055" y="2448668"/>
+            <a:ext cx="3528219" cy="1104301"/>
           </a:xfrm>
         </p:spPr>
         <p:txBody>
@@ -288,7 +288,7 @@
           <a:p>
             <a:fld id="{24F5451C-9AB3-4930-81E8-DDEA64DBA608}" type="datetimeFigureOut">
               <a:rPr lang="en-GB" smtClean="0"/>
-              <a:t>11/07/2014</a:t>
+              <a:t>01/09/2014</a:t>
             </a:fld>
             <a:endParaRPr lang="en-GB"/>
           </a:p>
@@ -458,7 +458,7 @@
           <a:p>
             <a:fld id="{24F5451C-9AB3-4930-81E8-DDEA64DBA608}" type="datetimeFigureOut">
               <a:rPr lang="en-GB" smtClean="0"/>
-              <a:t>11/07/2014</a:t>
+              <a:t>01/09/2014</a:t>
             </a:fld>
             <a:endParaRPr lang="en-GB"/>
           </a:p>
@@ -548,8 +548,8 @@
         </p:nvSpPr>
         <p:spPr>
           <a:xfrm>
-            <a:off x="1870871" y="69335"/>
-            <a:ext cx="580161" cy="1467901"/>
+            <a:off x="1870874" y="64020"/>
+            <a:ext cx="580161" cy="1355368"/>
           </a:xfrm>
         </p:spPr>
         <p:txBody>
@@ -576,8 +576,8 @@
         </p:nvSpPr>
         <p:spPr>
           <a:xfrm>
-            <a:off x="128633" y="69335"/>
-            <a:ext cx="1658228" cy="1467901"/>
+            <a:off x="128633" y="64020"/>
+            <a:ext cx="1658228" cy="1355368"/>
           </a:xfrm>
         </p:spPr>
         <p:txBody>
@@ -638,7 +638,7 @@
           <a:p>
             <a:fld id="{24F5451C-9AB3-4930-81E8-DDEA64DBA608}" type="datetimeFigureOut">
               <a:rPr lang="en-GB" smtClean="0"/>
-              <a:t>11/07/2014</a:t>
+              <a:t>01/09/2014</a:t>
             </a:fld>
             <a:endParaRPr lang="en-GB"/>
           </a:p>
@@ -808,7 +808,7 @@
           <a:p>
             <a:fld id="{24F5451C-9AB3-4930-81E8-DDEA64DBA608}" type="datetimeFigureOut">
               <a:rPr lang="en-GB" smtClean="0"/>
-              <a:t>11/07/2014</a:t>
+              <a:t>01/09/2014</a:t>
             </a:fld>
             <a:endParaRPr lang="en-GB"/>
           </a:p>
@@ -898,8 +898,8 @@
         </p:nvSpPr>
         <p:spPr>
           <a:xfrm>
-            <a:off x="398154" y="3007304"/>
-            <a:ext cx="4284267" cy="929490"/>
+            <a:off x="398157" y="2776760"/>
+            <a:ext cx="4284267" cy="858233"/>
           </a:xfrm>
         </p:spPr>
         <p:txBody>
@@ -930,8 +930,8 @@
         </p:nvSpPr>
         <p:spPr>
           <a:xfrm>
-            <a:off x="398154" y="1983563"/>
-            <a:ext cx="4284267" cy="1023739"/>
+            <a:off x="398157" y="1831500"/>
+            <a:ext cx="4284267" cy="945257"/>
           </a:xfrm>
         </p:spPr>
         <p:txBody>
@@ -1054,7 +1054,7 @@
           <a:p>
             <a:fld id="{24F5451C-9AB3-4930-81E8-DDEA64DBA608}" type="datetimeFigureOut">
               <a:rPr lang="en-GB" smtClean="0"/>
-              <a:t>11/07/2014</a:t>
+              <a:t>01/09/2014</a:t>
             </a:fld>
             <a:endParaRPr lang="en-GB"/>
           </a:p>
@@ -1167,8 +1167,8 @@
         </p:nvSpPr>
         <p:spPr>
           <a:xfrm>
-            <a:off x="128634" y="401913"/>
-            <a:ext cx="1119194" cy="1135321"/>
+            <a:off x="128634" y="371102"/>
+            <a:ext cx="1119194" cy="1048285"/>
           </a:xfrm>
         </p:spPr>
         <p:txBody>
@@ -1252,8 +1252,8 @@
         </p:nvSpPr>
         <p:spPr>
           <a:xfrm>
-            <a:off x="1331835" y="401913"/>
-            <a:ext cx="1119195" cy="1135321"/>
+            <a:off x="1331835" y="371102"/>
+            <a:ext cx="1119195" cy="1048285"/>
           </a:xfrm>
         </p:spPr>
         <p:txBody>
@@ -1342,7 +1342,7 @@
           <a:p>
             <a:fld id="{24F5451C-9AB3-4930-81E8-DDEA64DBA608}" type="datetimeFigureOut">
               <a:rPr lang="en-GB" smtClean="0"/>
-              <a:t>11/07/2014</a:t>
+              <a:t>01/09/2014</a:t>
             </a:fld>
             <a:endParaRPr lang="en-GB"/>
           </a:p>
@@ -1432,8 +1432,8 @@
         </p:nvSpPr>
         <p:spPr>
           <a:xfrm>
-            <a:off x="252017" y="187416"/>
-            <a:ext cx="4536282" cy="779991"/>
+            <a:off x="252017" y="173049"/>
+            <a:ext cx="4536282" cy="720195"/>
           </a:xfrm>
         </p:spPr>
         <p:txBody>
@@ -1464,8 +1464,8 @@
         </p:nvSpPr>
         <p:spPr>
           <a:xfrm>
-            <a:off x="252016" y="1047572"/>
-            <a:ext cx="2227014" cy="436580"/>
+            <a:off x="252016" y="967262"/>
+            <a:ext cx="2227014" cy="403112"/>
           </a:xfrm>
         </p:spPr>
         <p:txBody>
@@ -1529,8 +1529,8 @@
         </p:nvSpPr>
         <p:spPr>
           <a:xfrm>
-            <a:off x="252016" y="1484151"/>
-            <a:ext cx="2227014" cy="2696389"/>
+            <a:off x="252016" y="1370375"/>
+            <a:ext cx="2227014" cy="2489678"/>
           </a:xfrm>
         </p:spPr>
         <p:txBody>
@@ -1614,8 +1614,8 @@
         </p:nvSpPr>
         <p:spPr>
           <a:xfrm>
-            <a:off x="2560410" y="1047572"/>
-            <a:ext cx="2227888" cy="436580"/>
+            <a:off x="2560410" y="967262"/>
+            <a:ext cx="2227888" cy="403112"/>
           </a:xfrm>
         </p:spPr>
         <p:txBody>
@@ -1679,8 +1679,8 @@
         </p:nvSpPr>
         <p:spPr>
           <a:xfrm>
-            <a:off x="2560410" y="1484151"/>
-            <a:ext cx="2227888" cy="2696389"/>
+            <a:off x="2560410" y="1370375"/>
+            <a:ext cx="2227888" cy="2489678"/>
           </a:xfrm>
         </p:spPr>
         <p:txBody>
@@ -1769,7 +1769,7 @@
           <a:p>
             <a:fld id="{24F5451C-9AB3-4930-81E8-DDEA64DBA608}" type="datetimeFigureOut">
               <a:rPr lang="en-GB" smtClean="0"/>
-              <a:t>11/07/2014</a:t>
+              <a:t>01/09/2014</a:t>
             </a:fld>
             <a:endParaRPr lang="en-GB"/>
           </a:p>
@@ -1887,7 +1887,7 @@
           <a:p>
             <a:fld id="{24F5451C-9AB3-4930-81E8-DDEA64DBA608}" type="datetimeFigureOut">
               <a:rPr lang="en-GB" smtClean="0"/>
-              <a:t>11/07/2014</a:t>
+              <a:t>01/09/2014</a:t>
             </a:fld>
             <a:endParaRPr lang="en-GB"/>
           </a:p>
@@ -1982,7 +1982,7 @@
           <a:p>
             <a:fld id="{24F5451C-9AB3-4930-81E8-DDEA64DBA608}" type="datetimeFigureOut">
               <a:rPr lang="en-GB" smtClean="0"/>
-              <a:t>11/07/2014</a:t>
+              <a:t>01/09/2014</a:t>
             </a:fld>
             <a:endParaRPr lang="en-GB"/>
           </a:p>
@@ -2072,8 +2072,8 @@
         </p:nvSpPr>
         <p:spPr>
           <a:xfrm>
-            <a:off x="252017" y="186333"/>
-            <a:ext cx="1658228" cy="792991"/>
+            <a:off x="252017" y="172050"/>
+            <a:ext cx="1658228" cy="732198"/>
           </a:xfrm>
         </p:spPr>
         <p:txBody>
@@ -2104,8 +2104,8 @@
         </p:nvSpPr>
         <p:spPr>
           <a:xfrm>
-            <a:off x="1970626" y="186333"/>
-            <a:ext cx="2817675" cy="3994208"/>
+            <a:off x="1970627" y="172049"/>
+            <a:ext cx="2817675" cy="3688003"/>
           </a:xfrm>
         </p:spPr>
         <p:txBody>
@@ -2189,8 +2189,8 @@
         </p:nvSpPr>
         <p:spPr>
           <a:xfrm>
-            <a:off x="252017" y="979325"/>
-            <a:ext cx="1658228" cy="3201215"/>
+            <a:off x="252017" y="904249"/>
+            <a:ext cx="1658228" cy="2955803"/>
           </a:xfrm>
         </p:spPr>
         <p:txBody>
@@ -2259,7 +2259,7 @@
           <a:p>
             <a:fld id="{24F5451C-9AB3-4930-81E8-DDEA64DBA608}" type="datetimeFigureOut">
               <a:rPr lang="en-GB" smtClean="0"/>
-              <a:t>11/07/2014</a:t>
+              <a:t>01/09/2014</a:t>
             </a:fld>
             <a:endParaRPr lang="en-GB"/>
           </a:p>
@@ -2349,8 +2349,8 @@
         </p:nvSpPr>
         <p:spPr>
           <a:xfrm>
-            <a:off x="987937" y="3275967"/>
-            <a:ext cx="3024188" cy="386746"/>
+            <a:off x="987937" y="3024826"/>
+            <a:ext cx="3024188" cy="357097"/>
           </a:xfrm>
         </p:spPr>
         <p:txBody>
@@ -2381,8 +2381,8 @@
         </p:nvSpPr>
         <p:spPr>
           <a:xfrm>
-            <a:off x="987937" y="418164"/>
-            <a:ext cx="3024188" cy="2807971"/>
+            <a:off x="987937" y="386108"/>
+            <a:ext cx="3024188" cy="2592706"/>
           </a:xfrm>
         </p:spPr>
         <p:txBody>
@@ -2442,8 +2442,8 @@
         </p:nvSpPr>
         <p:spPr>
           <a:xfrm>
-            <a:off x="987937" y="3662713"/>
-            <a:ext cx="3024188" cy="549243"/>
+            <a:off x="987937" y="3381923"/>
+            <a:ext cx="3024188" cy="507136"/>
           </a:xfrm>
         </p:spPr>
         <p:txBody>
@@ -2512,7 +2512,7 @@
           <a:p>
             <a:fld id="{24F5451C-9AB3-4930-81E8-DDEA64DBA608}" type="datetimeFigureOut">
               <a:rPr lang="en-GB" smtClean="0"/>
-              <a:t>11/07/2014</a:t>
+              <a:t>01/09/2014</a:t>
             </a:fld>
             <a:endParaRPr lang="en-GB"/>
           </a:p>
@@ -2607,8 +2607,8 @@
         </p:nvSpPr>
         <p:spPr>
           <a:xfrm>
-            <a:off x="252017" y="187416"/>
-            <a:ext cx="4536282" cy="779991"/>
+            <a:off x="252017" y="173049"/>
+            <a:ext cx="4536282" cy="720195"/>
           </a:xfrm>
           <a:prstGeom prst="rect">
             <a:avLst/>
@@ -2640,8 +2640,8 @@
         </p:nvSpPr>
         <p:spPr>
           <a:xfrm>
-            <a:off x="252017" y="1091989"/>
-            <a:ext cx="4536282" cy="3088550"/>
+            <a:off x="252017" y="1008276"/>
+            <a:ext cx="4536282" cy="2851775"/>
           </a:xfrm>
           <a:prstGeom prst="rect">
             <a:avLst/>
@@ -2702,8 +2702,8 @@
         </p:nvSpPr>
         <p:spPr>
           <a:xfrm>
-            <a:off x="252020" y="4337621"/>
-            <a:ext cx="1176073" cy="249164"/>
+            <a:off x="252022" y="4005090"/>
+            <a:ext cx="1176073" cy="230063"/>
           </a:xfrm>
           <a:prstGeom prst="rect">
             <a:avLst/>
@@ -2725,7 +2725,7 @@
           <a:p>
             <a:fld id="{24F5451C-9AB3-4930-81E8-DDEA64DBA608}" type="datetimeFigureOut">
               <a:rPr lang="en-GB" smtClean="0"/>
-              <a:t>11/07/2014</a:t>
+              <a:t>01/09/2014</a:t>
             </a:fld>
             <a:endParaRPr lang="en-GB"/>
           </a:p>
@@ -2743,8 +2743,8 @@
         </p:nvSpPr>
         <p:spPr>
           <a:xfrm>
-            <a:off x="1722107" y="4337621"/>
-            <a:ext cx="1596099" cy="249164"/>
+            <a:off x="1722107" y="4005090"/>
+            <a:ext cx="1596099" cy="230063"/>
           </a:xfrm>
           <a:prstGeom prst="rect">
             <a:avLst/>
@@ -2780,8 +2780,8 @@
         </p:nvSpPr>
         <p:spPr>
           <a:xfrm>
-            <a:off x="3612228" y="4337621"/>
-            <a:ext cx="1176073" cy="249164"/>
+            <a:off x="3612231" y="4005090"/>
+            <a:ext cx="1176073" cy="230063"/>
           </a:xfrm>
           <a:prstGeom prst="rect">
             <a:avLst/>
@@ -3102,13 +3102,13 @@
       </p:grpSpPr>
       <p:pic>
         <p:nvPicPr>
-          <p:cNvPr id="38" name="Picture 2" descr="C:\Users\Wendy\Documents\wwn20\Lit review\Figures\era1994-1.jpg"/>
+          <p:cNvPr id="26" name="Picture 2" descr="C:\Users\Wendy\Documents\wwn20\Lit review\Figures\era1994-1.jpg"/>
           <p:cNvPicPr>
             <a:picLocks noChangeAspect="1" noChangeArrowheads="1"/>
           </p:cNvPicPr>
           <p:nvPr/>
         </p:nvPicPr>
-        <p:blipFill>
+        <p:blipFill rotWithShape="1">
           <a:blip r:embed="rId2">
             <a:extLst>
               <a:ext uri="{28A0092B-C50C-407E-A947-70E740481C1C}">
@@ -3116,15 +3116,13 @@
               </a:ext>
             </a:extLst>
           </a:blip>
-          <a:srcRect/>
-          <a:stretch>
-            <a:fillRect/>
-          </a:stretch>
+          <a:srcRect b="37391"/>
+          <a:stretch/>
         </p:blipFill>
         <p:spPr bwMode="auto">
           <a:xfrm>
-            <a:off x="124584" y="0"/>
-            <a:ext cx="2670467" cy="2660721"/>
+            <a:off x="124584" y="251743"/>
+            <a:ext cx="2670467" cy="1665845"/>
           </a:xfrm>
           <a:prstGeom prst="rect">
             <a:avLst/>
@@ -3143,7 +3141,7 @@
       </p:pic>
       <p:pic>
         <p:nvPicPr>
-          <p:cNvPr id="39" name="Picture 3" descr="C:\Users\Wendy\Documents\wwn20\Lit review\Figures\era1994-2.jpg"/>
+          <p:cNvPr id="27" name="Picture 3" descr="C:\Users\Wendy\Documents\wwn20\Lit review\Figures\era1994-2.jpg"/>
           <p:cNvPicPr>
             <a:picLocks noChangeAspect="1" noChangeArrowheads="1"/>
           </p:cNvPicPr>
@@ -3182,13 +3180,13 @@
       </p:pic>
       <p:sp>
         <p:nvSpPr>
-          <p:cNvPr id="40" name="TextBox 39"/>
+          <p:cNvPr id="28" name="TextBox 27"/>
           <p:cNvSpPr txBox="1"/>
           <p:nvPr/>
         </p:nvSpPr>
         <p:spPr>
           <a:xfrm>
-            <a:off x="-95457" y="-72675"/>
+            <a:off x="-95457" y="36880"/>
             <a:ext cx="576064" cy="430887"/>
           </a:xfrm>
           <a:prstGeom prst="rect">
@@ -3212,7 +3210,7 @@
       </p:sp>
       <p:sp>
         <p:nvSpPr>
-          <p:cNvPr id="41" name="TextBox 40"/>
+          <p:cNvPr id="29" name="TextBox 28"/>
           <p:cNvSpPr txBox="1"/>
           <p:nvPr/>
         </p:nvSpPr>
@@ -3242,7 +3240,7 @@
       </p:sp>
       <p:sp>
         <p:nvSpPr>
-          <p:cNvPr id="42" name="Rectangle 41"/>
+          <p:cNvPr id="30" name="Rectangle 29"/>
           <p:cNvSpPr/>
           <p:nvPr/>
         </p:nvSpPr>
@@ -3288,13 +3286,13 @@
       </p:sp>
       <p:sp>
         <p:nvSpPr>
-          <p:cNvPr id="43" name="Rectangle 42"/>
+          <p:cNvPr id="31" name="Rectangle 30"/>
           <p:cNvSpPr/>
           <p:nvPr/>
         </p:nvSpPr>
         <p:spPr>
           <a:xfrm>
-            <a:off x="1104499" y="2341810"/>
+            <a:off x="1104499" y="2051943"/>
             <a:ext cx="288032" cy="252611"/>
           </a:xfrm>
           <a:prstGeom prst="rect">
@@ -3334,7 +3332,7 @@
       </p:sp>
       <p:pic>
         <p:nvPicPr>
-          <p:cNvPr id="44" name="Picture 2" descr="C:\Users\Wendy\Documents\wwn20\Lit review\Figures\matsushima2005-1.jpg"/>
+          <p:cNvPr id="32" name="Picture 2" descr="C:\Users\Wendy\Documents\wwn20\Lit review\Figures\matsushima2005-1.jpg"/>
           <p:cNvPicPr>
             <a:picLocks noChangeAspect="1" noChangeArrowheads="1"/>
           </p:cNvPicPr>
@@ -3355,7 +3353,7 @@
         </p:blipFill>
         <p:spPr bwMode="auto">
           <a:xfrm>
-            <a:off x="-164465" y="2817862"/>
+            <a:off x="-164465" y="2527995"/>
             <a:ext cx="5245100" cy="1790700"/>
           </a:xfrm>
           <a:prstGeom prst="rect">
@@ -3375,13 +3373,13 @@
       </p:pic>
       <p:sp>
         <p:nvSpPr>
-          <p:cNvPr id="45" name="TextBox 44"/>
+          <p:cNvPr id="33" name="TextBox 32"/>
           <p:cNvSpPr txBox="1"/>
           <p:nvPr/>
         </p:nvSpPr>
         <p:spPr>
           <a:xfrm>
-            <a:off x="344975" y="2609189"/>
+            <a:off x="344975" y="2319322"/>
             <a:ext cx="576064" cy="430887"/>
           </a:xfrm>
           <a:prstGeom prst="rect">
